--- a/Hospital-Appointment-Booking-and-Management-System.pptx
+++ b/Hospital-Appointment-Booking-and-Management-System.pptx
@@ -3361,7 +3361,7 @@
         </p:nvSpPr>
         <p:spPr>
           <a:xfrm>
-            <a:off x="6265069" y="891777"/>
+            <a:off x="6174758" y="891777"/>
             <a:ext cx="9879878" cy="6729414"/>
           </a:xfrm>
           <a:prstGeom prst="roundRect">
@@ -3394,7 +3394,7 @@
         </p:nvSpPr>
         <p:spPr>
           <a:xfrm>
-            <a:off x="6272688" y="1524000"/>
+            <a:off x="6295266" y="1524000"/>
             <a:ext cx="9860031" cy="1118711"/>
           </a:xfrm>
           <a:prstGeom prst="rect">
@@ -3518,7 +3518,7 @@
         </p:nvSpPr>
         <p:spPr>
           <a:xfrm>
-            <a:off x="6340421" y="2518172"/>
+            <a:off x="6521043" y="2518172"/>
             <a:ext cx="9860031" cy="1118711"/>
           </a:xfrm>
           <a:prstGeom prst="rect">
@@ -3642,7 +3642,7 @@
         </p:nvSpPr>
         <p:spPr>
           <a:xfrm>
-            <a:off x="6272688" y="3512344"/>
+            <a:off x="6272688" y="3523633"/>
             <a:ext cx="9860031" cy="1118711"/>
           </a:xfrm>
           <a:prstGeom prst="rect">
@@ -5171,7 +5171,7 @@
         </p:nvSpPr>
         <p:spPr>
           <a:xfrm>
-            <a:off x="5123004" y="4962169"/>
+            <a:off x="5378155" y="4962169"/>
             <a:ext cx="510302" cy="510302"/>
           </a:xfrm>
           <a:prstGeom prst="roundRect">
@@ -6526,7 +6526,29 @@
                 <a:ea typeface="Roboto" pitchFamily="34" charset="-122"/>
                 <a:cs typeface="Times New Roman" panose="02020603050405020304" pitchFamily="18" charset="0"/>
               </a:rPr>
-              <a:t>All administrative routes are protected, redirecting unauthorized users to the login page if 'admin_logged_in' session variable is not set.</a:t>
+              <a:t>All administrative routes are protected, redirecting unauthorized users to the login page if '</a:t>
+            </a:r>
+            <a:r>
+              <a:rPr lang="en-US" sz="2000" dirty="0" err="1">
+                <a:solidFill>
+                  <a:srgbClr val="15213F"/>
+                </a:solidFill>
+                <a:latin typeface="Times New Roman" panose="02020603050405020304" pitchFamily="18" charset="0"/>
+                <a:ea typeface="Roboto" pitchFamily="34" charset="-122"/>
+                <a:cs typeface="Times New Roman" panose="02020603050405020304" pitchFamily="18" charset="0"/>
+              </a:rPr>
+              <a:t>admin_logged_in</a:t>
+            </a:r>
+            <a:r>
+              <a:rPr lang="en-US" sz="2000" dirty="0">
+                <a:solidFill>
+                  <a:srgbClr val="15213F"/>
+                </a:solidFill>
+                <a:latin typeface="Times New Roman" panose="02020603050405020304" pitchFamily="18" charset="0"/>
+                <a:ea typeface="Roboto" pitchFamily="34" charset="-122"/>
+                <a:cs typeface="Times New Roman" panose="02020603050405020304" pitchFamily="18" charset="0"/>
+              </a:rPr>
+              <a:t>' session variable is not set.</a:t>
             </a:r>
             <a:endParaRPr lang="en-US" sz="2000" dirty="0">
               <a:latin typeface="Times New Roman" panose="02020603050405020304" pitchFamily="18" charset="0"/>

--- a/Hospital-Appointment-Booking-and-Management-System.pptx
+++ b/Hospital-Appointment-Booking-and-Management-System.pptx
@@ -1992,7 +1992,7 @@
     <p:sldLayoutId id="2147483658" r:id="rId10"/>
     <p:sldLayoutId id="2147483659" r:id="rId11"/>
   </p:sldLayoutIdLst>
-  <p:hf sldNum="0" hdr="0" ftr="0" dt="0"/>
+  <p:hf hdr="0" dt="0"/>
   <p:txStyles>
     <p:titleStyle>
       <a:lvl1pPr algn="ctr" defTabSz="914400" rtl="0" eaLnBrk="1" latinLnBrk="0" hangingPunct="1">
@@ -2379,7 +2379,7 @@
                 <a:ea typeface="Roboto" pitchFamily="34" charset="-122"/>
                 <a:cs typeface="Times New Roman" panose="02020603050405020304" pitchFamily="18" charset="0"/>
               </a:rPr>
-              <a:t>Hospital Appointment Booking System </a:t>
+              <a:t>Hospital Appointment Booking &amp; Management System </a:t>
             </a:r>
             <a:r>
               <a:rPr lang="en-US" sz="2400" dirty="0">
@@ -2452,7 +2452,7 @@
               <a:buNone/>
             </a:pPr>
             <a:r>
-              <a:rPr lang="en-US" sz="1950" b="1" dirty="0">
+              <a:rPr lang="en-US" sz="1950" b="1" i="1" dirty="0">
                 <a:solidFill>
                   <a:srgbClr val="15213F"/>
                 </a:solidFill>
@@ -2490,6 +2490,17 @@
               <a:buNone/>
             </a:pPr>
             <a:r>
+              <a:rPr lang="en-US" sz="1950" b="1" i="1" dirty="0">
+                <a:solidFill>
+                  <a:srgbClr val="15213F"/>
+                </a:solidFill>
+                <a:latin typeface="Times New Roman" panose="02020603050405020304" pitchFamily="18" charset="0"/>
+                <a:ea typeface="Roboto Bold" pitchFamily="34" charset="-122"/>
+                <a:cs typeface="Times New Roman" panose="02020603050405020304" pitchFamily="18" charset="0"/>
+              </a:rPr>
+              <a:t>SAP ID: </a:t>
+            </a:r>
+            <a:r>
               <a:rPr lang="en-US" sz="1950" b="1" dirty="0">
                 <a:solidFill>
                   <a:srgbClr val="15213F"/>
@@ -2504,6 +2515,53 @@
               <a:latin typeface="Times New Roman" panose="02020603050405020304" pitchFamily="18" charset="0"/>
               <a:cs typeface="Times New Roman" panose="02020603050405020304" pitchFamily="18" charset="0"/>
             </a:endParaRPr>
+          </a:p>
+        </p:txBody>
+      </p:sp>
+      <p:sp>
+        <p:nvSpPr>
+          <p:cNvPr id="6" name="Rectangle 5">
+            <a:extLst>
+              <a:ext uri="{FF2B5EF4-FFF2-40B4-BE49-F238E27FC236}">
+                <a16:creationId xmlns:a16="http://schemas.microsoft.com/office/drawing/2014/main" id="{4357C9D1-3C84-4075-9196-DE6BFB9650D8}"/>
+              </a:ext>
+            </a:extLst>
+          </p:cNvPr>
+          <p:cNvSpPr/>
+          <p:nvPr/>
+        </p:nvSpPr>
+        <p:spPr>
+          <a:xfrm>
+            <a:off x="13907911" y="7732889"/>
+            <a:ext cx="722489" cy="417689"/>
+          </a:xfrm>
+          <a:prstGeom prst="rect">
+            <a:avLst/>
+          </a:prstGeom>
+        </p:spPr>
+        <p:style>
+          <a:lnRef idx="2">
+            <a:schemeClr val="dk1"/>
+          </a:lnRef>
+          <a:fillRef idx="1">
+            <a:schemeClr val="lt1"/>
+          </a:fillRef>
+          <a:effectRef idx="0">
+            <a:schemeClr val="dk1"/>
+          </a:effectRef>
+          <a:fontRef idx="minor">
+            <a:schemeClr val="dk1"/>
+          </a:fontRef>
+        </p:style>
+        <p:txBody>
+          <a:bodyPr rtlCol="0" anchor="ctr"/>
+          <a:lstStyle/>
+          <a:p>
+            <a:pPr algn="ctr"/>
+            <a:r>
+              <a:rPr lang="en-IN" dirty="0"/>
+              <a:t>1</a:t>
+            </a:r>
           </a:p>
         </p:txBody>
       </p:sp>
@@ -3231,6 +3289,53 @@
           <a:p>
             <a:pPr algn="ctr"/>
             <a:endParaRPr lang="en-IN"/>
+          </a:p>
+        </p:txBody>
+      </p:sp>
+      <p:sp>
+        <p:nvSpPr>
+          <p:cNvPr id="23" name="Rectangle 22">
+            <a:extLst>
+              <a:ext uri="{FF2B5EF4-FFF2-40B4-BE49-F238E27FC236}">
+                <a16:creationId xmlns:a16="http://schemas.microsoft.com/office/drawing/2014/main" id="{546C28DC-E8EA-4062-BA86-D594849DA353}"/>
+              </a:ext>
+            </a:extLst>
+          </p:cNvPr>
+          <p:cNvSpPr/>
+          <p:nvPr/>
+        </p:nvSpPr>
+        <p:spPr>
+          <a:xfrm>
+            <a:off x="13907911" y="7732889"/>
+            <a:ext cx="722489" cy="417689"/>
+          </a:xfrm>
+          <a:prstGeom prst="rect">
+            <a:avLst/>
+          </a:prstGeom>
+        </p:spPr>
+        <p:style>
+          <a:lnRef idx="2">
+            <a:schemeClr val="dk1"/>
+          </a:lnRef>
+          <a:fillRef idx="1">
+            <a:schemeClr val="lt1"/>
+          </a:fillRef>
+          <a:effectRef idx="0">
+            <a:schemeClr val="dk1"/>
+          </a:effectRef>
+          <a:fontRef idx="minor">
+            <a:schemeClr val="dk1"/>
+          </a:fontRef>
+        </p:style>
+        <p:txBody>
+          <a:bodyPr rtlCol="0" anchor="ctr"/>
+          <a:lstStyle/>
+          <a:p>
+            <a:pPr algn="ctr"/>
+            <a:r>
+              <a:rPr lang="en-IN" dirty="0"/>
+              <a:t>10</a:t>
+            </a:r>
           </a:p>
         </p:txBody>
       </p:sp>
@@ -4171,6 +4276,53 @@
           </a:p>
         </p:txBody>
       </p:sp>
+      <p:sp>
+        <p:nvSpPr>
+          <p:cNvPr id="28" name="Rectangle 27">
+            <a:extLst>
+              <a:ext uri="{FF2B5EF4-FFF2-40B4-BE49-F238E27FC236}">
+                <a16:creationId xmlns:a16="http://schemas.microsoft.com/office/drawing/2014/main" id="{3DDC7ED1-09D8-4A26-BA8F-F2A4E29BE6A2}"/>
+              </a:ext>
+            </a:extLst>
+          </p:cNvPr>
+          <p:cNvSpPr/>
+          <p:nvPr/>
+        </p:nvSpPr>
+        <p:spPr>
+          <a:xfrm>
+            <a:off x="13907911" y="7732889"/>
+            <a:ext cx="722489" cy="417689"/>
+          </a:xfrm>
+          <a:prstGeom prst="rect">
+            <a:avLst/>
+          </a:prstGeom>
+        </p:spPr>
+        <p:style>
+          <a:lnRef idx="2">
+            <a:schemeClr val="dk1"/>
+          </a:lnRef>
+          <a:fillRef idx="1">
+            <a:schemeClr val="lt1"/>
+          </a:fillRef>
+          <a:effectRef idx="0">
+            <a:schemeClr val="dk1"/>
+          </a:effectRef>
+          <a:fontRef idx="minor">
+            <a:schemeClr val="dk1"/>
+          </a:fontRef>
+        </p:style>
+        <p:txBody>
+          <a:bodyPr rtlCol="0" anchor="ctr"/>
+          <a:lstStyle/>
+          <a:p>
+            <a:pPr algn="ctr"/>
+            <a:r>
+              <a:rPr lang="en-IN" dirty="0"/>
+              <a:t>2</a:t>
+            </a:r>
+          </a:p>
+        </p:txBody>
+      </p:sp>
     </p:spTree>
   </p:cSld>
   <p:clrMapOvr>
@@ -4915,6 +5067,53 @@
           <a:p>
             <a:pPr algn="ctr"/>
             <a:endParaRPr lang="en-IN"/>
+          </a:p>
+        </p:txBody>
+      </p:sp>
+      <p:sp>
+        <p:nvSpPr>
+          <p:cNvPr id="20" name="Rectangle 19">
+            <a:extLst>
+              <a:ext uri="{FF2B5EF4-FFF2-40B4-BE49-F238E27FC236}">
+                <a16:creationId xmlns:a16="http://schemas.microsoft.com/office/drawing/2014/main" id="{F41F2757-A6B6-4AE7-A39A-D270EC03268A}"/>
+              </a:ext>
+            </a:extLst>
+          </p:cNvPr>
+          <p:cNvSpPr/>
+          <p:nvPr/>
+        </p:nvSpPr>
+        <p:spPr>
+          <a:xfrm>
+            <a:off x="13907911" y="7732889"/>
+            <a:ext cx="722489" cy="417689"/>
+          </a:xfrm>
+          <a:prstGeom prst="rect">
+            <a:avLst/>
+          </a:prstGeom>
+        </p:spPr>
+        <p:style>
+          <a:lnRef idx="2">
+            <a:schemeClr val="dk1"/>
+          </a:lnRef>
+          <a:fillRef idx="1">
+            <a:schemeClr val="lt1"/>
+          </a:fillRef>
+          <a:effectRef idx="0">
+            <a:schemeClr val="dk1"/>
+          </a:effectRef>
+          <a:fontRef idx="minor">
+            <a:schemeClr val="dk1"/>
+          </a:fontRef>
+        </p:style>
+        <p:txBody>
+          <a:bodyPr rtlCol="0" anchor="ctr"/>
+          <a:lstStyle/>
+          <a:p>
+            <a:pPr algn="ctr"/>
+            <a:r>
+              <a:rPr lang="en-IN" dirty="0"/>
+              <a:t>3</a:t>
+            </a:r>
           </a:p>
         </p:txBody>
       </p:sp>
@@ -5417,6 +5616,53 @@
           </a:p>
         </p:txBody>
       </p:sp>
+      <p:sp>
+        <p:nvSpPr>
+          <p:cNvPr id="14" name="Rectangle 13">
+            <a:extLst>
+              <a:ext uri="{FF2B5EF4-FFF2-40B4-BE49-F238E27FC236}">
+                <a16:creationId xmlns:a16="http://schemas.microsoft.com/office/drawing/2014/main" id="{AF6C568B-D8FF-46F2-8D20-9A1A91D1F2FB}"/>
+              </a:ext>
+            </a:extLst>
+          </p:cNvPr>
+          <p:cNvSpPr/>
+          <p:nvPr/>
+        </p:nvSpPr>
+        <p:spPr>
+          <a:xfrm>
+            <a:off x="13907911" y="7732889"/>
+            <a:ext cx="722489" cy="417689"/>
+          </a:xfrm>
+          <a:prstGeom prst="rect">
+            <a:avLst/>
+          </a:prstGeom>
+        </p:spPr>
+        <p:style>
+          <a:lnRef idx="2">
+            <a:schemeClr val="dk1"/>
+          </a:lnRef>
+          <a:fillRef idx="1">
+            <a:schemeClr val="lt1"/>
+          </a:fillRef>
+          <a:effectRef idx="0">
+            <a:schemeClr val="dk1"/>
+          </a:effectRef>
+          <a:fontRef idx="minor">
+            <a:schemeClr val="dk1"/>
+          </a:fontRef>
+        </p:style>
+        <p:txBody>
+          <a:bodyPr rtlCol="0" anchor="ctr"/>
+          <a:lstStyle/>
+          <a:p>
+            <a:pPr algn="ctr"/>
+            <a:r>
+              <a:rPr lang="en-IN" dirty="0"/>
+              <a:t>4</a:t>
+            </a:r>
+          </a:p>
+        </p:txBody>
+      </p:sp>
     </p:spTree>
     <p:extLst>
       <p:ext uri="{BB962C8B-B14F-4D97-AF65-F5344CB8AC3E}">
@@ -6096,6 +6342,53 @@
           <a:p>
             <a:pPr algn="ctr"/>
             <a:endParaRPr lang="en-IN"/>
+          </a:p>
+        </p:txBody>
+      </p:sp>
+      <p:sp>
+        <p:nvSpPr>
+          <p:cNvPr id="19" name="Rectangle 18">
+            <a:extLst>
+              <a:ext uri="{FF2B5EF4-FFF2-40B4-BE49-F238E27FC236}">
+                <a16:creationId xmlns:a16="http://schemas.microsoft.com/office/drawing/2014/main" id="{6F68E559-077C-4544-A5B6-A3F127A64027}"/>
+              </a:ext>
+            </a:extLst>
+          </p:cNvPr>
+          <p:cNvSpPr/>
+          <p:nvPr/>
+        </p:nvSpPr>
+        <p:spPr>
+          <a:xfrm>
+            <a:off x="13907911" y="7732889"/>
+            <a:ext cx="722489" cy="417689"/>
+          </a:xfrm>
+          <a:prstGeom prst="rect">
+            <a:avLst/>
+          </a:prstGeom>
+        </p:spPr>
+        <p:style>
+          <a:lnRef idx="2">
+            <a:schemeClr val="dk1"/>
+          </a:lnRef>
+          <a:fillRef idx="1">
+            <a:schemeClr val="lt1"/>
+          </a:fillRef>
+          <a:effectRef idx="0">
+            <a:schemeClr val="dk1"/>
+          </a:effectRef>
+          <a:fontRef idx="minor">
+            <a:schemeClr val="dk1"/>
+          </a:fontRef>
+        </p:style>
+        <p:txBody>
+          <a:bodyPr rtlCol="0" anchor="ctr"/>
+          <a:lstStyle/>
+          <a:p>
+            <a:pPr algn="ctr"/>
+            <a:r>
+              <a:rPr lang="en-IN" dirty="0"/>
+              <a:t>5</a:t>
+            </a:r>
           </a:p>
         </p:txBody>
       </p:sp>
@@ -6604,6 +6897,53 @@
           </a:p>
         </p:txBody>
       </p:sp>
+      <p:sp>
+        <p:nvSpPr>
+          <p:cNvPr id="14" name="Rectangle 13">
+            <a:extLst>
+              <a:ext uri="{FF2B5EF4-FFF2-40B4-BE49-F238E27FC236}">
+                <a16:creationId xmlns:a16="http://schemas.microsoft.com/office/drawing/2014/main" id="{3E60327F-360C-48B0-A7E7-42AF9FD33AFD}"/>
+              </a:ext>
+            </a:extLst>
+          </p:cNvPr>
+          <p:cNvSpPr/>
+          <p:nvPr/>
+        </p:nvSpPr>
+        <p:spPr>
+          <a:xfrm>
+            <a:off x="13907911" y="7732889"/>
+            <a:ext cx="722489" cy="417689"/>
+          </a:xfrm>
+          <a:prstGeom prst="rect">
+            <a:avLst/>
+          </a:prstGeom>
+        </p:spPr>
+        <p:style>
+          <a:lnRef idx="2">
+            <a:schemeClr val="dk1"/>
+          </a:lnRef>
+          <a:fillRef idx="1">
+            <a:schemeClr val="lt1"/>
+          </a:fillRef>
+          <a:effectRef idx="0">
+            <a:schemeClr val="dk1"/>
+          </a:effectRef>
+          <a:fontRef idx="minor">
+            <a:schemeClr val="dk1"/>
+          </a:fontRef>
+        </p:style>
+        <p:txBody>
+          <a:bodyPr rtlCol="0" anchor="ctr"/>
+          <a:lstStyle/>
+          <a:p>
+            <a:pPr algn="ctr"/>
+            <a:r>
+              <a:rPr lang="en-IN" dirty="0"/>
+              <a:t>6</a:t>
+            </a:r>
+          </a:p>
+        </p:txBody>
+      </p:sp>
     </p:spTree>
   </p:cSld>
   <p:clrMapOvr>
@@ -7201,6 +7541,53 @@
           </a:p>
         </p:txBody>
       </p:sp>
+      <p:sp>
+        <p:nvSpPr>
+          <p:cNvPr id="17" name="Rectangle 16">
+            <a:extLst>
+              <a:ext uri="{FF2B5EF4-FFF2-40B4-BE49-F238E27FC236}">
+                <a16:creationId xmlns:a16="http://schemas.microsoft.com/office/drawing/2014/main" id="{440255CF-8ED1-4855-A8BE-C8A11E521327}"/>
+              </a:ext>
+            </a:extLst>
+          </p:cNvPr>
+          <p:cNvSpPr/>
+          <p:nvPr/>
+        </p:nvSpPr>
+        <p:spPr>
+          <a:xfrm>
+            <a:off x="13907911" y="7732889"/>
+            <a:ext cx="722489" cy="417689"/>
+          </a:xfrm>
+          <a:prstGeom prst="rect">
+            <a:avLst/>
+          </a:prstGeom>
+        </p:spPr>
+        <p:style>
+          <a:lnRef idx="2">
+            <a:schemeClr val="dk1"/>
+          </a:lnRef>
+          <a:fillRef idx="1">
+            <a:schemeClr val="lt1"/>
+          </a:fillRef>
+          <a:effectRef idx="0">
+            <a:schemeClr val="dk1"/>
+          </a:effectRef>
+          <a:fontRef idx="minor">
+            <a:schemeClr val="dk1"/>
+          </a:fontRef>
+        </p:style>
+        <p:txBody>
+          <a:bodyPr rtlCol="0" anchor="ctr"/>
+          <a:lstStyle/>
+          <a:p>
+            <a:pPr algn="ctr"/>
+            <a:r>
+              <a:rPr lang="en-IN" dirty="0"/>
+              <a:t>7</a:t>
+            </a:r>
+          </a:p>
+        </p:txBody>
+      </p:sp>
     </p:spTree>
   </p:cSld>
   <p:clrMapOvr>
@@ -7819,6 +8206,53 @@
           </a:p>
         </p:txBody>
       </p:sp>
+      <p:sp>
+        <p:nvSpPr>
+          <p:cNvPr id="19" name="Rectangle 18">
+            <a:extLst>
+              <a:ext uri="{FF2B5EF4-FFF2-40B4-BE49-F238E27FC236}">
+                <a16:creationId xmlns:a16="http://schemas.microsoft.com/office/drawing/2014/main" id="{A52C8956-FA3B-413E-BDCC-80E70CA59F7C}"/>
+              </a:ext>
+            </a:extLst>
+          </p:cNvPr>
+          <p:cNvSpPr/>
+          <p:nvPr/>
+        </p:nvSpPr>
+        <p:spPr>
+          <a:xfrm>
+            <a:off x="13907911" y="7732889"/>
+            <a:ext cx="722489" cy="417689"/>
+          </a:xfrm>
+          <a:prstGeom prst="rect">
+            <a:avLst/>
+          </a:prstGeom>
+        </p:spPr>
+        <p:style>
+          <a:lnRef idx="2">
+            <a:schemeClr val="dk1"/>
+          </a:lnRef>
+          <a:fillRef idx="1">
+            <a:schemeClr val="lt1"/>
+          </a:fillRef>
+          <a:effectRef idx="0">
+            <a:schemeClr val="dk1"/>
+          </a:effectRef>
+          <a:fontRef idx="minor">
+            <a:schemeClr val="dk1"/>
+          </a:fontRef>
+        </p:style>
+        <p:txBody>
+          <a:bodyPr rtlCol="0" anchor="ctr"/>
+          <a:lstStyle/>
+          <a:p>
+            <a:pPr algn="ctr"/>
+            <a:r>
+              <a:rPr lang="en-IN" dirty="0"/>
+              <a:t>8</a:t>
+            </a:r>
+          </a:p>
+        </p:txBody>
+      </p:sp>
     </p:spTree>
   </p:cSld>
   <p:clrMapOvr>
@@ -8635,6 +9069,53 @@
           <a:p>
             <a:pPr algn="ctr"/>
             <a:endParaRPr lang="en-IN"/>
+          </a:p>
+        </p:txBody>
+      </p:sp>
+      <p:sp>
+        <p:nvSpPr>
+          <p:cNvPr id="23" name="Rectangle 22">
+            <a:extLst>
+              <a:ext uri="{FF2B5EF4-FFF2-40B4-BE49-F238E27FC236}">
+                <a16:creationId xmlns:a16="http://schemas.microsoft.com/office/drawing/2014/main" id="{9EF3809B-517B-48CC-B619-57B4995AF341}"/>
+              </a:ext>
+            </a:extLst>
+          </p:cNvPr>
+          <p:cNvSpPr/>
+          <p:nvPr/>
+        </p:nvSpPr>
+        <p:spPr>
+          <a:xfrm>
+            <a:off x="13907911" y="7732889"/>
+            <a:ext cx="722489" cy="417689"/>
+          </a:xfrm>
+          <a:prstGeom prst="rect">
+            <a:avLst/>
+          </a:prstGeom>
+        </p:spPr>
+        <p:style>
+          <a:lnRef idx="2">
+            <a:schemeClr val="dk1"/>
+          </a:lnRef>
+          <a:fillRef idx="1">
+            <a:schemeClr val="lt1"/>
+          </a:fillRef>
+          <a:effectRef idx="0">
+            <a:schemeClr val="dk1"/>
+          </a:effectRef>
+          <a:fontRef idx="minor">
+            <a:schemeClr val="dk1"/>
+          </a:fontRef>
+        </p:style>
+        <p:txBody>
+          <a:bodyPr rtlCol="0" anchor="ctr"/>
+          <a:lstStyle/>
+          <a:p>
+            <a:pPr algn="ctr"/>
+            <a:r>
+              <a:rPr lang="en-IN" dirty="0"/>
+              <a:t>9</a:t>
+            </a:r>
           </a:p>
         </p:txBody>
       </p:sp>
